--- a/MonteCarloSimulation_VotingSystems.pptx
+++ b/MonteCarloSimulation_VotingSystems.pptx
@@ -160,12 +160,37 @@
 <p1510:revInfo xmlns:a="http://schemas.openxmlformats.org/drawingml/2006/main" xmlns:r="http://schemas.openxmlformats.org/officeDocument/2006/relationships" xmlns:p1510="http://schemas.microsoft.com/office/powerpoint/2015/10/main">
   <p1510:revLst>
     <p1510:client id="{8C28B73C-76F7-485C-BE6D-E0CFC4088E9C}" v="3492" dt="2019-04-24T23:47:45.268"/>
+    <p1510:client id="{2C775DAA-470A-4ED2-B1C3-290CEF17B183}" v="1" dt="2019-04-25T02:47:44.881"/>
   </p1510:revLst>
 </p1510:revInfo>
 </file>
 
 <file path=ppt/changesInfos/changesInfo1.xml><?xml version="1.0" encoding="utf-8"?>
 <pc:chgInfo xmlns:a="http://schemas.openxmlformats.org/drawingml/2006/main" xmlns:r="http://schemas.openxmlformats.org/officeDocument/2006/relationships" xmlns:ac="http://schemas.microsoft.com/office/drawing/2013/main/command" xmlns:pc="http://schemas.microsoft.com/office/powerpoint/2013/main/command">
+  <pc:docChgLst>
+    <pc:chgData name="Gaurav Dharra" userId="4e7083c476c9b13c" providerId="LiveId" clId="{2C775DAA-470A-4ED2-B1C3-290CEF17B183}"/>
+    <pc:docChg chg="modSld">
+      <pc:chgData name="Gaurav Dharra" userId="4e7083c476c9b13c" providerId="LiveId" clId="{2C775DAA-470A-4ED2-B1C3-290CEF17B183}" dt="2019-04-25T02:47:44.881" v="0" actId="20577"/>
+      <pc:docMkLst>
+        <pc:docMk/>
+      </pc:docMkLst>
+      <pc:sldChg chg="modSp">
+        <pc:chgData name="Gaurav Dharra" userId="4e7083c476c9b13c" providerId="LiveId" clId="{2C775DAA-470A-4ED2-B1C3-290CEF17B183}" dt="2019-04-25T02:47:44.881" v="0" actId="20577"/>
+        <pc:sldMkLst>
+          <pc:docMk/>
+          <pc:sldMk cId="1761847427" sldId="264"/>
+        </pc:sldMkLst>
+        <pc:spChg chg="mod">
+          <ac:chgData name="Gaurav Dharra" userId="4e7083c476c9b13c" providerId="LiveId" clId="{2C775DAA-470A-4ED2-B1C3-290CEF17B183}" dt="2019-04-25T02:47:44.881" v="0" actId="20577"/>
+          <ac:spMkLst>
+            <pc:docMk/>
+            <pc:sldMk cId="1761847427" sldId="264"/>
+            <ac:spMk id="14342" creationId="{00000000-0000-0000-0000-000000000000}"/>
+          </ac:spMkLst>
+        </pc:spChg>
+      </pc:sldChg>
+    </pc:docChg>
+  </pc:docChgLst>
   <pc:docChgLst>
     <pc:chgData userId="4e7083c476c9b13c" providerId="LiveId" clId="{8C28B73C-76F7-485C-BE6D-E0CFC4088E9C}"/>
     <pc:docChg chg="undo custSel delSld modSld">
@@ -4211,14 +4236,14 @@
           </a:ln>
           <a:extLst>
             <a:ext uri="{909E8E84-426E-40dd-AFC4-6F175D3DCCD1}">
-              <a14:hiddenFill xmlns="" xmlns:a14="http://schemas.microsoft.com/office/drawing/2010/main">
+              <a14:hiddenFill xmlns:a14="http://schemas.microsoft.com/office/drawing/2010/main" xmlns="">
                 <a:solidFill>
                   <a:srgbClr val="FFFFFF"/>
                 </a:solidFill>
               </a14:hiddenFill>
             </a:ext>
             <a:ext uri="{91240B29-F687-4f45-9708-019B960494DF}">
-              <a14:hiddenLine xmlns="" xmlns:a14="http://schemas.microsoft.com/office/drawing/2010/main" w="9525">
+              <a14:hiddenLine xmlns:a14="http://schemas.microsoft.com/office/drawing/2010/main" xmlns="" w="9525">
                 <a:solidFill>
                   <a:srgbClr val="000000"/>
                 </a:solidFill>
@@ -4285,14 +4310,14 @@
           </a:ln>
           <a:extLst>
             <a:ext uri="{909E8E84-426E-40dd-AFC4-6F175D3DCCD1}">
-              <a14:hiddenFill xmlns="" xmlns:a14="http://schemas.microsoft.com/office/drawing/2010/main">
+              <a14:hiddenFill xmlns:a14="http://schemas.microsoft.com/office/drawing/2010/main" xmlns="">
                 <a:solidFill>
                   <a:srgbClr val="FFFFFF"/>
                 </a:solidFill>
               </a14:hiddenFill>
             </a:ext>
             <a:ext uri="{91240B29-F687-4f45-9708-019B960494DF}">
-              <a14:hiddenLine xmlns="" xmlns:a14="http://schemas.microsoft.com/office/drawing/2010/main" w="9525">
+              <a14:hiddenLine xmlns:a14="http://schemas.microsoft.com/office/drawing/2010/main" xmlns="" w="9525">
                 <a:solidFill>
                   <a:srgbClr val="000000"/>
                 </a:solidFill>
@@ -4453,7 +4478,7 @@
           </a:ln>
           <a:extLst>
             <a:ext uri="{91240B29-F687-4f45-9708-019B960494DF}">
-              <a14:hiddenLine xmlns="" xmlns:a14="http://schemas.microsoft.com/office/drawing/2010/main" w="9525">
+              <a14:hiddenLine xmlns:a14="http://schemas.microsoft.com/office/drawing/2010/main" xmlns="" w="9525">
                 <a:solidFill>
                   <a:srgbClr val="000000"/>
                 </a:solidFill>
@@ -4546,7 +4571,7 @@
           </a:ln>
           <a:extLst>
             <a:ext uri="{91240B29-F687-4f45-9708-019B960494DF}">
-              <a14:hiddenLine xmlns="" xmlns:a14="http://schemas.microsoft.com/office/drawing/2010/main" w="9525">
+              <a14:hiddenLine xmlns:a14="http://schemas.microsoft.com/office/drawing/2010/main" xmlns="" w="9525">
                 <a:solidFill>
                   <a:srgbClr val="000000"/>
                 </a:solidFill>
@@ -4694,7 +4719,7 @@
           </a:ln>
           <a:extLst>
             <a:ext uri="{91240B29-F687-4f45-9708-019B960494DF}">
-              <a14:hiddenLine xmlns="" xmlns:a14="http://schemas.microsoft.com/office/drawing/2010/main" w="9525">
+              <a14:hiddenLine xmlns:a14="http://schemas.microsoft.com/office/drawing/2010/main" xmlns="" w="9525">
                 <a:solidFill>
                   <a:srgbClr val="000000"/>
                 </a:solidFill>
@@ -4934,7 +4959,7 @@
           </a:ln>
           <a:extLst>
             <a:ext uri="{91240B29-F687-4f45-9708-019B960494DF}">
-              <a14:hiddenLine xmlns="" xmlns:a14="http://schemas.microsoft.com/office/drawing/2010/main" w="9525">
+              <a14:hiddenLine xmlns:a14="http://schemas.microsoft.com/office/drawing/2010/main" xmlns="" w="9525">
                 <a:solidFill>
                   <a:srgbClr val="000000"/>
                 </a:solidFill>
@@ -5032,7 +5057,7 @@
                 <a:latin typeface="Georgia" charset="0"/>
                 <a:cs typeface="Georgia" charset="0"/>
               </a:rPr>
-              <a:t> – A random set of 100000 voters are generated each having a unique voter id and a randomly generated preferential score. This randomly generated preferential score is compared with each candidate fame score to generate preference value for each candidate. </a:t>
+              <a:t> – A random set of 10000 voters are generated each having a unique voter id and a randomly generated preferential score. This randomly generated preferential score is compared with each candidate fame score to generate preference value for each candidate. </a:t>
             </a:r>
           </a:p>
           <a:p>
@@ -5319,7 +5344,7 @@
           </a:ln>
           <a:extLst>
             <a:ext uri="{91240B29-F687-4f45-9708-019B960494DF}">
-              <a14:hiddenLine xmlns="" xmlns:a14="http://schemas.microsoft.com/office/drawing/2010/main" w="9525">
+              <a14:hiddenLine xmlns:a14="http://schemas.microsoft.com/office/drawing/2010/main" xmlns="" w="9525">
                 <a:solidFill>
                   <a:srgbClr val="000000"/>
                 </a:solidFill>
@@ -5418,7 +5443,7 @@
           </a:ln>
           <a:extLst>
             <a:ext uri="{91240B29-F687-4f45-9708-019B960494DF}">
-              <a14:hiddenLine xmlns="" xmlns:a14="http://schemas.microsoft.com/office/drawing/2010/main" w="9525">
+              <a14:hiddenLine xmlns:a14="http://schemas.microsoft.com/office/drawing/2010/main" xmlns="" w="9525">
                 <a:solidFill>
                   <a:srgbClr val="000000"/>
                 </a:solidFill>
@@ -5476,7 +5501,7 @@
           </a:ln>
           <a:extLst>
             <a:ext uri="{91240B29-F687-4f45-9708-019B960494DF}">
-              <a14:hiddenLine xmlns="" xmlns:a14="http://schemas.microsoft.com/office/drawing/2010/main" w="9525">
+              <a14:hiddenLine xmlns:a14="http://schemas.microsoft.com/office/drawing/2010/main" xmlns="" w="9525">
                 <a:solidFill>
                   <a:srgbClr val="000000"/>
                 </a:solidFill>
@@ -5582,14 +5607,14 @@
           </a:ln>
           <a:extLst>
             <a:ext uri="{909E8E84-426E-40dd-AFC4-6F175D3DCCD1}">
-              <a14:hiddenFill xmlns="" xmlns:a14="http://schemas.microsoft.com/office/drawing/2010/main">
+              <a14:hiddenFill xmlns:a14="http://schemas.microsoft.com/office/drawing/2010/main" xmlns="">
                 <a:solidFill>
                   <a:srgbClr val="FFFFFF"/>
                 </a:solidFill>
               </a14:hiddenFill>
             </a:ext>
             <a:ext uri="{91240B29-F687-4f45-9708-019B960494DF}">
-              <a14:hiddenLine xmlns="" xmlns:a14="http://schemas.microsoft.com/office/drawing/2010/main" w="9525">
+              <a14:hiddenLine xmlns:a14="http://schemas.microsoft.com/office/drawing/2010/main" xmlns="" w="9525">
                 <a:solidFill>
                   <a:srgbClr val="000000"/>
                 </a:solidFill>
@@ -5816,14 +5841,14 @@
           </a:ln>
           <a:extLst>
             <a:ext uri="{909E8E84-426E-40dd-AFC4-6F175D3DCCD1}">
-              <a14:hiddenFill xmlns="" xmlns:a14="http://schemas.microsoft.com/office/drawing/2010/main">
+              <a14:hiddenFill xmlns:a14="http://schemas.microsoft.com/office/drawing/2010/main" xmlns="">
                 <a:solidFill>
                   <a:srgbClr val="FFFFFF"/>
                 </a:solidFill>
               </a14:hiddenFill>
             </a:ext>
             <a:ext uri="{91240B29-F687-4f45-9708-019B960494DF}">
-              <a14:hiddenLine xmlns="" xmlns:a14="http://schemas.microsoft.com/office/drawing/2010/main" w="9525">
+              <a14:hiddenLine xmlns:a14="http://schemas.microsoft.com/office/drawing/2010/main" xmlns="" w="9525">
                 <a:solidFill>
                   <a:srgbClr val="000000"/>
                 </a:solidFill>
@@ -6089,14 +6114,14 @@
           </a:ln>
           <a:extLst>
             <a:ext uri="{909E8E84-426E-40dd-AFC4-6F175D3DCCD1}">
-              <a14:hiddenFill xmlns="" xmlns:a14="http://schemas.microsoft.com/office/drawing/2010/main">
+              <a14:hiddenFill xmlns:a14="http://schemas.microsoft.com/office/drawing/2010/main" xmlns="">
                 <a:solidFill>
                   <a:srgbClr val="FFFFFF"/>
                 </a:solidFill>
               </a14:hiddenFill>
             </a:ext>
             <a:ext uri="{91240B29-F687-4f45-9708-019B960494DF}">
-              <a14:hiddenLine xmlns="" xmlns:a14="http://schemas.microsoft.com/office/drawing/2010/main" w="9525">
+              <a14:hiddenLine xmlns:a14="http://schemas.microsoft.com/office/drawing/2010/main" xmlns="" w="9525">
                 <a:solidFill>
                   <a:srgbClr val="000000"/>
                 </a:solidFill>
